--- a/CPAD assignment 1.pptx
+++ b/CPAD assignment 1.pptx
@@ -108,6 +108,11 @@
       </a:defRPr>
     </a:lvl9pPr>
   </p:defaultTextStyle>
+  <p:extLst>
+    <p:ext uri="{EFAFB233-063F-42B5-8137-9DF3F51BA10A}">
+      <p15:sldGuideLst xmlns:p15="http://schemas.microsoft.com/office/powerpoint/2012/main"/>
+    </p:ext>
+  </p:extLst>
 </p:presentation>
 </file>
 
@@ -7596,7 +7601,7 @@
           <a:p>
             <a:fld id="{01F9BEF7-2958-4146-BB6F-7D4296D081E9}" type="datetimeFigureOut">
               <a:rPr lang="en-IN" smtClean="0"/>
-              <a:t>21-10-2021</a:t>
+              <a:t>28-10-2021</a:t>
             </a:fld>
             <a:endParaRPr lang="en-IN"/>
           </a:p>
@@ -7766,7 +7771,7 @@
           <a:p>
             <a:fld id="{01F9BEF7-2958-4146-BB6F-7D4296D081E9}" type="datetimeFigureOut">
               <a:rPr lang="en-IN" smtClean="0"/>
-              <a:t>21-10-2021</a:t>
+              <a:t>28-10-2021</a:t>
             </a:fld>
             <a:endParaRPr lang="en-IN"/>
           </a:p>
@@ -7946,7 +7951,7 @@
           <a:p>
             <a:fld id="{01F9BEF7-2958-4146-BB6F-7D4296D081E9}" type="datetimeFigureOut">
               <a:rPr lang="en-IN" smtClean="0"/>
-              <a:t>21-10-2021</a:t>
+              <a:t>28-10-2021</a:t>
             </a:fld>
             <a:endParaRPr lang="en-IN"/>
           </a:p>
@@ -8116,7 +8121,7 @@
           <a:p>
             <a:fld id="{01F9BEF7-2958-4146-BB6F-7D4296D081E9}" type="datetimeFigureOut">
               <a:rPr lang="en-IN" smtClean="0"/>
-              <a:t>21-10-2021</a:t>
+              <a:t>28-10-2021</a:t>
             </a:fld>
             <a:endParaRPr lang="en-IN"/>
           </a:p>
@@ -8384,7 +8389,7 @@
           <a:p>
             <a:fld id="{01F9BEF7-2958-4146-BB6F-7D4296D081E9}" type="datetimeFigureOut">
               <a:rPr lang="en-IN" smtClean="0"/>
-              <a:t>21-10-2021</a:t>
+              <a:t>28-10-2021</a:t>
             </a:fld>
             <a:endParaRPr lang="en-IN"/>
           </a:p>
@@ -8616,7 +8621,7 @@
           <a:p>
             <a:fld id="{01F9BEF7-2958-4146-BB6F-7D4296D081E9}" type="datetimeFigureOut">
               <a:rPr lang="en-IN" smtClean="0"/>
-              <a:t>21-10-2021</a:t>
+              <a:t>28-10-2021</a:t>
             </a:fld>
             <a:endParaRPr lang="en-IN"/>
           </a:p>
@@ -8975,7 +8980,7 @@
           <a:p>
             <a:fld id="{01F9BEF7-2958-4146-BB6F-7D4296D081E9}" type="datetimeFigureOut">
               <a:rPr lang="en-IN" smtClean="0"/>
-              <a:t>21-10-2021</a:t>
+              <a:t>28-10-2021</a:t>
             </a:fld>
             <a:endParaRPr lang="en-IN"/>
           </a:p>
@@ -9116,7 +9121,7 @@
           <a:p>
             <a:fld id="{01F9BEF7-2958-4146-BB6F-7D4296D081E9}" type="datetimeFigureOut">
               <a:rPr lang="en-IN" smtClean="0"/>
-              <a:t>21-10-2021</a:t>
+              <a:t>28-10-2021</a:t>
             </a:fld>
             <a:endParaRPr lang="en-IN"/>
           </a:p>
@@ -9211,7 +9216,7 @@
           <a:p>
             <a:fld id="{01F9BEF7-2958-4146-BB6F-7D4296D081E9}" type="datetimeFigureOut">
               <a:rPr lang="en-IN" smtClean="0"/>
-              <a:t>21-10-2021</a:t>
+              <a:t>28-10-2021</a:t>
             </a:fld>
             <a:endParaRPr lang="en-IN"/>
           </a:p>
@@ -9568,7 +9573,7 @@
           <a:p>
             <a:fld id="{01F9BEF7-2958-4146-BB6F-7D4296D081E9}" type="datetimeFigureOut">
               <a:rPr lang="en-IN" smtClean="0"/>
-              <a:t>21-10-2021</a:t>
+              <a:t>28-10-2021</a:t>
             </a:fld>
             <a:endParaRPr lang="en-IN"/>
           </a:p>
@@ -9925,7 +9930,7 @@
           <a:p>
             <a:fld id="{01F9BEF7-2958-4146-BB6F-7D4296D081E9}" type="datetimeFigureOut">
               <a:rPr lang="en-IN" smtClean="0"/>
-              <a:t>21-10-2021</a:t>
+              <a:t>28-10-2021</a:t>
             </a:fld>
             <a:endParaRPr lang="en-IN"/>
           </a:p>
@@ -10167,7 +10172,7 @@
           <a:p>
             <a:fld id="{01F9BEF7-2958-4146-BB6F-7D4296D081E9}" type="datetimeFigureOut">
               <a:rPr lang="en-IN" smtClean="0"/>
-              <a:t>21-10-2021</a:t>
+              <a:t>28-10-2021</a:t>
             </a:fld>
             <a:endParaRPr lang="en-IN"/>
           </a:p>
@@ -11102,9 +11107,10 @@
               <a:buChar char="§"/>
             </a:pPr>
             <a:r>
-              <a:rPr lang="en-IN" dirty="0"/>
-              <a:t>Local / Cloud (AWS)</a:t>
+              <a:rPr lang="en-IN"/>
+              <a:t>GCP</a:t>
             </a:r>
+            <a:endParaRPr lang="en-IN" dirty="0"/>
           </a:p>
           <a:p>
             <a:pPr>
